--- a/analysis/output/results/logReg03192020.pptx
+++ b/analysis/output/results/logReg03192020.pptx
@@ -265,7 +265,7 @@
           <a:p>
             <a:fld id="{3E8E3951-0666-BE4E-BBC6-0A31567BE0B7}" type="datetimeFigureOut">
               <a:rPr lang="en-US" smtClean="0"/>
-              <a:t>3/18/20</a:t>
+              <a:t>3/20/20</a:t>
             </a:fld>
             <a:endParaRPr lang="en-US"/>
           </a:p>
@@ -463,7 +463,7 @@
           <a:p>
             <a:fld id="{3E8E3951-0666-BE4E-BBC6-0A31567BE0B7}" type="datetimeFigureOut">
               <a:rPr lang="en-US" smtClean="0"/>
-              <a:t>3/18/20</a:t>
+              <a:t>3/20/20</a:t>
             </a:fld>
             <a:endParaRPr lang="en-US"/>
           </a:p>
@@ -671,7 +671,7 @@
           <a:p>
             <a:fld id="{3E8E3951-0666-BE4E-BBC6-0A31567BE0B7}" type="datetimeFigureOut">
               <a:rPr lang="en-US" smtClean="0"/>
-              <a:t>3/18/20</a:t>
+              <a:t>3/20/20</a:t>
             </a:fld>
             <a:endParaRPr lang="en-US"/>
           </a:p>
@@ -869,7 +869,7 @@
           <a:p>
             <a:fld id="{3E8E3951-0666-BE4E-BBC6-0A31567BE0B7}" type="datetimeFigureOut">
               <a:rPr lang="en-US" smtClean="0"/>
-              <a:t>3/18/20</a:t>
+              <a:t>3/20/20</a:t>
             </a:fld>
             <a:endParaRPr lang="en-US"/>
           </a:p>
@@ -1144,7 +1144,7 @@
           <a:p>
             <a:fld id="{3E8E3951-0666-BE4E-BBC6-0A31567BE0B7}" type="datetimeFigureOut">
               <a:rPr lang="en-US" smtClean="0"/>
-              <a:t>3/18/20</a:t>
+              <a:t>3/20/20</a:t>
             </a:fld>
             <a:endParaRPr lang="en-US"/>
           </a:p>
@@ -1409,7 +1409,7 @@
           <a:p>
             <a:fld id="{3E8E3951-0666-BE4E-BBC6-0A31567BE0B7}" type="datetimeFigureOut">
               <a:rPr lang="en-US" smtClean="0"/>
-              <a:t>3/18/20</a:t>
+              <a:t>3/20/20</a:t>
             </a:fld>
             <a:endParaRPr lang="en-US"/>
           </a:p>
@@ -1821,7 +1821,7 @@
           <a:p>
             <a:fld id="{3E8E3951-0666-BE4E-BBC6-0A31567BE0B7}" type="datetimeFigureOut">
               <a:rPr lang="en-US" smtClean="0"/>
-              <a:t>3/18/20</a:t>
+              <a:t>3/20/20</a:t>
             </a:fld>
             <a:endParaRPr lang="en-US"/>
           </a:p>
@@ -1962,7 +1962,7 @@
           <a:p>
             <a:fld id="{3E8E3951-0666-BE4E-BBC6-0A31567BE0B7}" type="datetimeFigureOut">
               <a:rPr lang="en-US" smtClean="0"/>
-              <a:t>3/18/20</a:t>
+              <a:t>3/20/20</a:t>
             </a:fld>
             <a:endParaRPr lang="en-US"/>
           </a:p>
@@ -2075,7 +2075,7 @@
           <a:p>
             <a:fld id="{3E8E3951-0666-BE4E-BBC6-0A31567BE0B7}" type="datetimeFigureOut">
               <a:rPr lang="en-US" smtClean="0"/>
-              <a:t>3/18/20</a:t>
+              <a:t>3/20/20</a:t>
             </a:fld>
             <a:endParaRPr lang="en-US"/>
           </a:p>
@@ -2386,7 +2386,7 @@
           <a:p>
             <a:fld id="{3E8E3951-0666-BE4E-BBC6-0A31567BE0B7}" type="datetimeFigureOut">
               <a:rPr lang="en-US" smtClean="0"/>
-              <a:t>3/18/20</a:t>
+              <a:t>3/20/20</a:t>
             </a:fld>
             <a:endParaRPr lang="en-US"/>
           </a:p>
@@ -2674,7 +2674,7 @@
           <a:p>
             <a:fld id="{3E8E3951-0666-BE4E-BBC6-0A31567BE0B7}" type="datetimeFigureOut">
               <a:rPr lang="en-US" smtClean="0"/>
-              <a:t>3/18/20</a:t>
+              <a:t>3/20/20</a:t>
             </a:fld>
             <a:endParaRPr lang="en-US"/>
           </a:p>
@@ -2915,7 +2915,7 @@
           <a:p>
             <a:fld id="{3E8E3951-0666-BE4E-BBC6-0A31567BE0B7}" type="datetimeFigureOut">
               <a:rPr lang="en-US" smtClean="0"/>
-              <a:t>3/18/20</a:t>
+              <a:t>3/20/20</a:t>
             </a:fld>
             <a:endParaRPr lang="en-US"/>
           </a:p>
@@ -3418,12 +3418,82 @@
           <a:chExt cx="0" cy="0"/>
         </a:xfrm>
       </p:grpSpPr>
+      <p:sp>
+        <p:nvSpPr>
+          <p:cNvPr id="4" name="TextBox 3">
+            <a:extLst>
+              <a:ext uri="{FF2B5EF4-FFF2-40B4-BE49-F238E27FC236}">
+                <a16:creationId xmlns:a16="http://schemas.microsoft.com/office/drawing/2014/main" id="{B5CC605B-1FA5-254F-824B-ED0ADD717734}"/>
+              </a:ext>
+            </a:extLst>
+          </p:cNvPr>
+          <p:cNvSpPr txBox="1"/>
+          <p:nvPr/>
+        </p:nvSpPr>
+        <p:spPr>
+          <a:xfrm>
+            <a:off x="8613384" y="1017638"/>
+            <a:ext cx="1725561" cy="369332"/>
+          </a:xfrm>
+          <a:prstGeom prst="rect">
+            <a:avLst/>
+          </a:prstGeom>
+          <a:noFill/>
+        </p:spPr>
+        <p:txBody>
+          <a:bodyPr wrap="square" rtlCol="0">
+            <a:spAutoFit/>
+          </a:bodyPr>
+          <a:lstStyle/>
+          <a:p>
+            <a:r>
+              <a:rPr lang="en-US" dirty="0"/>
+              <a:t>Log Regression</a:t>
+            </a:r>
+          </a:p>
+        </p:txBody>
+      </p:sp>
+      <p:sp>
+        <p:nvSpPr>
+          <p:cNvPr id="6" name="TextBox 5">
+            <a:extLst>
+              <a:ext uri="{FF2B5EF4-FFF2-40B4-BE49-F238E27FC236}">
+                <a16:creationId xmlns:a16="http://schemas.microsoft.com/office/drawing/2014/main" id="{4A25AEF3-670E-294F-B164-ABB141EC1BF8}"/>
+              </a:ext>
+            </a:extLst>
+          </p:cNvPr>
+          <p:cNvSpPr txBox="1"/>
+          <p:nvPr/>
+        </p:nvSpPr>
+        <p:spPr>
+          <a:xfrm>
+            <a:off x="1887794" y="752168"/>
+            <a:ext cx="811161" cy="369332"/>
+          </a:xfrm>
+          <a:prstGeom prst="rect">
+            <a:avLst/>
+          </a:prstGeom>
+          <a:noFill/>
+        </p:spPr>
+        <p:txBody>
+          <a:bodyPr wrap="square" rtlCol="0">
+            <a:spAutoFit/>
+          </a:bodyPr>
+          <a:lstStyle/>
+          <a:p>
+            <a:r>
+              <a:rPr lang="en-US" dirty="0"/>
+              <a:t>SVM</a:t>
+            </a:r>
+          </a:p>
+        </p:txBody>
+      </p:sp>
       <p:pic>
         <p:nvPicPr>
-          <p:cNvPr id="3" name="Picture 2">
-            <a:extLst>
-              <a:ext uri="{FF2B5EF4-FFF2-40B4-BE49-F238E27FC236}">
-                <a16:creationId xmlns:a16="http://schemas.microsoft.com/office/drawing/2014/main" id="{B9A9C004-619E-0949-AFB9-9113537B0072}"/>
+          <p:cNvPr id="8" name="Picture 7">
+            <a:extLst>
+              <a:ext uri="{FF2B5EF4-FFF2-40B4-BE49-F238E27FC236}">
+                <a16:creationId xmlns:a16="http://schemas.microsoft.com/office/drawing/2014/main" id="{87D9E941-3A38-6C40-915B-00D20A01B61C}"/>
               </a:ext>
             </a:extLst>
           </p:cNvPr>
@@ -3440,90 +3510,20 @@
         </p:blipFill>
         <p:spPr>
           <a:xfrm>
-            <a:off x="7298269" y="1651819"/>
-            <a:ext cx="4355792" cy="3186896"/>
+            <a:off x="0" y="1121500"/>
+            <a:ext cx="6532438" cy="4779429"/>
           </a:xfrm>
           <a:prstGeom prst="rect">
             <a:avLst/>
           </a:prstGeom>
         </p:spPr>
       </p:pic>
-      <p:sp>
-        <p:nvSpPr>
-          <p:cNvPr id="4" name="TextBox 3">
-            <a:extLst>
-              <a:ext uri="{FF2B5EF4-FFF2-40B4-BE49-F238E27FC236}">
-                <a16:creationId xmlns:a16="http://schemas.microsoft.com/office/drawing/2014/main" id="{B5CC605B-1FA5-254F-824B-ED0ADD717734}"/>
-              </a:ext>
-            </a:extLst>
-          </p:cNvPr>
-          <p:cNvSpPr txBox="1"/>
-          <p:nvPr/>
-        </p:nvSpPr>
-        <p:spPr>
-          <a:xfrm>
-            <a:off x="8613384" y="1017638"/>
-            <a:ext cx="1725561" cy="369332"/>
-          </a:xfrm>
-          <a:prstGeom prst="rect">
-            <a:avLst/>
-          </a:prstGeom>
-          <a:noFill/>
-        </p:spPr>
-        <p:txBody>
-          <a:bodyPr wrap="square" rtlCol="0">
-            <a:spAutoFit/>
-          </a:bodyPr>
-          <a:lstStyle/>
-          <a:p>
-            <a:r>
-              <a:rPr lang="en-US" dirty="0"/>
-              <a:t>Log Regression</a:t>
-            </a:r>
-          </a:p>
-        </p:txBody>
-      </p:sp>
-      <p:sp>
-        <p:nvSpPr>
-          <p:cNvPr id="6" name="TextBox 5">
-            <a:extLst>
-              <a:ext uri="{FF2B5EF4-FFF2-40B4-BE49-F238E27FC236}">
-                <a16:creationId xmlns:a16="http://schemas.microsoft.com/office/drawing/2014/main" id="{4A25AEF3-670E-294F-B164-ABB141EC1BF8}"/>
-              </a:ext>
-            </a:extLst>
-          </p:cNvPr>
-          <p:cNvSpPr txBox="1"/>
-          <p:nvPr/>
-        </p:nvSpPr>
-        <p:spPr>
-          <a:xfrm>
-            <a:off x="1887794" y="752168"/>
-            <a:ext cx="811161" cy="369332"/>
-          </a:xfrm>
-          <a:prstGeom prst="rect">
-            <a:avLst/>
-          </a:prstGeom>
-          <a:noFill/>
-        </p:spPr>
-        <p:txBody>
-          <a:bodyPr wrap="square" rtlCol="0">
-            <a:spAutoFit/>
-          </a:bodyPr>
-          <a:lstStyle/>
-          <a:p>
-            <a:r>
-              <a:rPr lang="en-US" dirty="0"/>
-              <a:t>SVM</a:t>
-            </a:r>
-          </a:p>
-        </p:txBody>
-      </p:sp>
       <p:pic>
         <p:nvPicPr>
-          <p:cNvPr id="8" name="Picture 7">
-            <a:extLst>
-              <a:ext uri="{FF2B5EF4-FFF2-40B4-BE49-F238E27FC236}">
-                <a16:creationId xmlns:a16="http://schemas.microsoft.com/office/drawing/2014/main" id="{87D9E941-3A38-6C40-915B-00D20A01B61C}"/>
+          <p:cNvPr id="9" name="Picture 8">
+            <a:extLst>
+              <a:ext uri="{FF2B5EF4-FFF2-40B4-BE49-F238E27FC236}">
+                <a16:creationId xmlns:a16="http://schemas.microsoft.com/office/drawing/2014/main" id="{37B31C67-52CB-B045-9B7B-D679F6C8384A}"/>
               </a:ext>
             </a:extLst>
           </p:cNvPr>
@@ -3540,8 +3540,8 @@
         </p:blipFill>
         <p:spPr>
           <a:xfrm>
-            <a:off x="357460" y="1598467"/>
-            <a:ext cx="4682990" cy="3426289"/>
+            <a:off x="6267154" y="1386969"/>
+            <a:ext cx="5924846" cy="4364887"/>
           </a:xfrm>
           <a:prstGeom prst="rect">
             <a:avLst/>
@@ -3578,12 +3578,82 @@
           <a:chExt cx="0" cy="0"/>
         </a:xfrm>
       </p:grpSpPr>
+      <p:sp>
+        <p:nvSpPr>
+          <p:cNvPr id="6" name="TextBox 5">
+            <a:extLst>
+              <a:ext uri="{FF2B5EF4-FFF2-40B4-BE49-F238E27FC236}">
+                <a16:creationId xmlns:a16="http://schemas.microsoft.com/office/drawing/2014/main" id="{2E781895-2C4F-C847-9D8A-618D5B6DB6E0}"/>
+              </a:ext>
+            </a:extLst>
+          </p:cNvPr>
+          <p:cNvSpPr txBox="1"/>
+          <p:nvPr/>
+        </p:nvSpPr>
+        <p:spPr>
+          <a:xfrm>
+            <a:off x="7847271" y="593796"/>
+            <a:ext cx="1725561" cy="369332"/>
+          </a:xfrm>
+          <a:prstGeom prst="rect">
+            <a:avLst/>
+          </a:prstGeom>
+          <a:noFill/>
+        </p:spPr>
+        <p:txBody>
+          <a:bodyPr wrap="square" rtlCol="0">
+            <a:spAutoFit/>
+          </a:bodyPr>
+          <a:lstStyle/>
+          <a:p>
+            <a:r>
+              <a:rPr lang="en-US" dirty="0"/>
+              <a:t>Log Regression</a:t>
+            </a:r>
+          </a:p>
+        </p:txBody>
+      </p:sp>
+      <p:sp>
+        <p:nvSpPr>
+          <p:cNvPr id="7" name="TextBox 6">
+            <a:extLst>
+              <a:ext uri="{FF2B5EF4-FFF2-40B4-BE49-F238E27FC236}">
+                <a16:creationId xmlns:a16="http://schemas.microsoft.com/office/drawing/2014/main" id="{7DD2C886-9238-1643-8EC5-8AFD15C0FF92}"/>
+              </a:ext>
+            </a:extLst>
+          </p:cNvPr>
+          <p:cNvSpPr txBox="1"/>
+          <p:nvPr/>
+        </p:nvSpPr>
+        <p:spPr>
+          <a:xfrm>
+            <a:off x="1887794" y="752168"/>
+            <a:ext cx="811161" cy="369332"/>
+          </a:xfrm>
+          <a:prstGeom prst="rect">
+            <a:avLst/>
+          </a:prstGeom>
+          <a:noFill/>
+        </p:spPr>
+        <p:txBody>
+          <a:bodyPr wrap="square" rtlCol="0">
+            <a:spAutoFit/>
+          </a:bodyPr>
+          <a:lstStyle/>
+          <a:p>
+            <a:r>
+              <a:rPr lang="en-US" dirty="0"/>
+              <a:t>SVM</a:t>
+            </a:r>
+          </a:p>
+        </p:txBody>
+      </p:sp>
       <p:pic>
         <p:nvPicPr>
-          <p:cNvPr id="3" name="Picture 2">
-            <a:extLst>
-              <a:ext uri="{FF2B5EF4-FFF2-40B4-BE49-F238E27FC236}">
-                <a16:creationId xmlns:a16="http://schemas.microsoft.com/office/drawing/2014/main" id="{E7B4F8E2-0FA6-764F-8D3E-E08C443B083E}"/>
+          <p:cNvPr id="8" name="Picture 7">
+            <a:extLst>
+              <a:ext uri="{FF2B5EF4-FFF2-40B4-BE49-F238E27FC236}">
+                <a16:creationId xmlns:a16="http://schemas.microsoft.com/office/drawing/2014/main" id="{423600A6-8EA0-E645-9C9A-C06ACA07A30F}"/>
               </a:ext>
             </a:extLst>
           </p:cNvPr>
@@ -3600,90 +3670,20 @@
         </p:blipFill>
         <p:spPr>
           <a:xfrm>
-            <a:off x="5569602" y="963128"/>
-            <a:ext cx="6280900" cy="4666273"/>
+            <a:off x="0" y="1121500"/>
+            <a:ext cx="5517917" cy="4099429"/>
           </a:xfrm>
           <a:prstGeom prst="rect">
             <a:avLst/>
           </a:prstGeom>
         </p:spPr>
       </p:pic>
-      <p:sp>
-        <p:nvSpPr>
-          <p:cNvPr id="6" name="TextBox 5">
-            <a:extLst>
-              <a:ext uri="{FF2B5EF4-FFF2-40B4-BE49-F238E27FC236}">
-                <a16:creationId xmlns:a16="http://schemas.microsoft.com/office/drawing/2014/main" id="{2E781895-2C4F-C847-9D8A-618D5B6DB6E0}"/>
-              </a:ext>
-            </a:extLst>
-          </p:cNvPr>
-          <p:cNvSpPr txBox="1"/>
-          <p:nvPr/>
-        </p:nvSpPr>
-        <p:spPr>
-          <a:xfrm>
-            <a:off x="7847271" y="593796"/>
-            <a:ext cx="1725561" cy="369332"/>
-          </a:xfrm>
-          <a:prstGeom prst="rect">
-            <a:avLst/>
-          </a:prstGeom>
-          <a:noFill/>
-        </p:spPr>
-        <p:txBody>
-          <a:bodyPr wrap="square" rtlCol="0">
-            <a:spAutoFit/>
-          </a:bodyPr>
-          <a:lstStyle/>
-          <a:p>
-            <a:r>
-              <a:rPr lang="en-US" dirty="0"/>
-              <a:t>Log Regression</a:t>
-            </a:r>
-          </a:p>
-        </p:txBody>
-      </p:sp>
-      <p:sp>
-        <p:nvSpPr>
-          <p:cNvPr id="7" name="TextBox 6">
-            <a:extLst>
-              <a:ext uri="{FF2B5EF4-FFF2-40B4-BE49-F238E27FC236}">
-                <a16:creationId xmlns:a16="http://schemas.microsoft.com/office/drawing/2014/main" id="{7DD2C886-9238-1643-8EC5-8AFD15C0FF92}"/>
-              </a:ext>
-            </a:extLst>
-          </p:cNvPr>
-          <p:cNvSpPr txBox="1"/>
-          <p:nvPr/>
-        </p:nvSpPr>
-        <p:spPr>
-          <a:xfrm>
-            <a:off x="1887794" y="752168"/>
-            <a:ext cx="811161" cy="369332"/>
-          </a:xfrm>
-          <a:prstGeom prst="rect">
-            <a:avLst/>
-          </a:prstGeom>
-          <a:noFill/>
-        </p:spPr>
-        <p:txBody>
-          <a:bodyPr wrap="square" rtlCol="0">
-            <a:spAutoFit/>
-          </a:bodyPr>
-          <a:lstStyle/>
-          <a:p>
-            <a:r>
-              <a:rPr lang="en-US" dirty="0"/>
-              <a:t>SVM</a:t>
-            </a:r>
-          </a:p>
-        </p:txBody>
-      </p:sp>
       <p:pic>
         <p:nvPicPr>
-          <p:cNvPr id="8" name="Picture 7">
-            <a:extLst>
-              <a:ext uri="{FF2B5EF4-FFF2-40B4-BE49-F238E27FC236}">
-                <a16:creationId xmlns:a16="http://schemas.microsoft.com/office/drawing/2014/main" id="{423600A6-8EA0-E645-9C9A-C06ACA07A30F}"/>
+          <p:cNvPr id="4" name="Picture 3">
+            <a:extLst>
+              <a:ext uri="{FF2B5EF4-FFF2-40B4-BE49-F238E27FC236}">
+                <a16:creationId xmlns:a16="http://schemas.microsoft.com/office/drawing/2014/main" id="{613E4B88-A2C8-764B-8B8F-BCFB7C10CE55}"/>
               </a:ext>
             </a:extLst>
           </p:cNvPr>
@@ -3700,8 +3700,8 @@
         </p:blipFill>
         <p:spPr>
           <a:xfrm>
-            <a:off x="0" y="1121500"/>
-            <a:ext cx="5517917" cy="4099429"/>
+            <a:off x="5736902" y="936834"/>
+            <a:ext cx="5946298" cy="4448259"/>
           </a:xfrm>
           <a:prstGeom prst="rect">
             <a:avLst/>
@@ -3738,12 +3738,82 @@
           <a:chExt cx="0" cy="0"/>
         </a:xfrm>
       </p:grpSpPr>
+      <p:sp>
+        <p:nvSpPr>
+          <p:cNvPr id="6" name="TextBox 5">
+            <a:extLst>
+              <a:ext uri="{FF2B5EF4-FFF2-40B4-BE49-F238E27FC236}">
+                <a16:creationId xmlns:a16="http://schemas.microsoft.com/office/drawing/2014/main" id="{C4607B01-A532-694B-8007-6502F82720B2}"/>
+              </a:ext>
+            </a:extLst>
+          </p:cNvPr>
+          <p:cNvSpPr txBox="1"/>
+          <p:nvPr/>
+        </p:nvSpPr>
+        <p:spPr>
+          <a:xfrm>
+            <a:off x="8347958" y="841433"/>
+            <a:ext cx="1725561" cy="369332"/>
+          </a:xfrm>
+          <a:prstGeom prst="rect">
+            <a:avLst/>
+          </a:prstGeom>
+          <a:noFill/>
+        </p:spPr>
+        <p:txBody>
+          <a:bodyPr wrap="square" rtlCol="0">
+            <a:spAutoFit/>
+          </a:bodyPr>
+          <a:lstStyle/>
+          <a:p>
+            <a:r>
+              <a:rPr lang="en-US" dirty="0"/>
+              <a:t>Log Regression</a:t>
+            </a:r>
+          </a:p>
+        </p:txBody>
+      </p:sp>
+      <p:sp>
+        <p:nvSpPr>
+          <p:cNvPr id="7" name="TextBox 6">
+            <a:extLst>
+              <a:ext uri="{FF2B5EF4-FFF2-40B4-BE49-F238E27FC236}">
+                <a16:creationId xmlns:a16="http://schemas.microsoft.com/office/drawing/2014/main" id="{8F516324-27FD-1B4D-BCDD-62956FDDDB3E}"/>
+              </a:ext>
+            </a:extLst>
+          </p:cNvPr>
+          <p:cNvSpPr txBox="1"/>
+          <p:nvPr/>
+        </p:nvSpPr>
+        <p:spPr>
+          <a:xfrm>
+            <a:off x="1887794" y="752168"/>
+            <a:ext cx="811161" cy="369332"/>
+          </a:xfrm>
+          <a:prstGeom prst="rect">
+            <a:avLst/>
+          </a:prstGeom>
+          <a:noFill/>
+        </p:spPr>
+        <p:txBody>
+          <a:bodyPr wrap="square" rtlCol="0">
+            <a:spAutoFit/>
+          </a:bodyPr>
+          <a:lstStyle/>
+          <a:p>
+            <a:r>
+              <a:rPr lang="en-US" dirty="0"/>
+              <a:t>SVM</a:t>
+            </a:r>
+          </a:p>
+        </p:txBody>
+      </p:sp>
       <p:pic>
         <p:nvPicPr>
-          <p:cNvPr id="3" name="Picture 2">
-            <a:extLst>
-              <a:ext uri="{FF2B5EF4-FFF2-40B4-BE49-F238E27FC236}">
-                <a16:creationId xmlns:a16="http://schemas.microsoft.com/office/drawing/2014/main" id="{F745609D-FFB6-AF4C-815B-0E218C28DA85}"/>
+          <p:cNvPr id="8" name="Picture 7">
+            <a:extLst>
+              <a:ext uri="{FF2B5EF4-FFF2-40B4-BE49-F238E27FC236}">
+                <a16:creationId xmlns:a16="http://schemas.microsoft.com/office/drawing/2014/main" id="{372A4446-A89B-B244-A2F8-AC73D5F28A37}"/>
               </a:ext>
             </a:extLst>
           </p:cNvPr>
@@ -3760,90 +3830,20 @@
         </p:blipFill>
         <p:spPr>
           <a:xfrm>
-            <a:off x="6492695" y="1210765"/>
-            <a:ext cx="5436088" cy="4038636"/>
+            <a:off x="1637" y="1210765"/>
+            <a:ext cx="6163573" cy="4509551"/>
           </a:xfrm>
           <a:prstGeom prst="rect">
             <a:avLst/>
           </a:prstGeom>
         </p:spPr>
       </p:pic>
-      <p:sp>
-        <p:nvSpPr>
-          <p:cNvPr id="6" name="TextBox 5">
-            <a:extLst>
-              <a:ext uri="{FF2B5EF4-FFF2-40B4-BE49-F238E27FC236}">
-                <a16:creationId xmlns:a16="http://schemas.microsoft.com/office/drawing/2014/main" id="{C4607B01-A532-694B-8007-6502F82720B2}"/>
-              </a:ext>
-            </a:extLst>
-          </p:cNvPr>
-          <p:cNvSpPr txBox="1"/>
-          <p:nvPr/>
-        </p:nvSpPr>
-        <p:spPr>
-          <a:xfrm>
-            <a:off x="8347958" y="841433"/>
-            <a:ext cx="1725561" cy="369332"/>
-          </a:xfrm>
-          <a:prstGeom prst="rect">
-            <a:avLst/>
-          </a:prstGeom>
-          <a:noFill/>
-        </p:spPr>
-        <p:txBody>
-          <a:bodyPr wrap="square" rtlCol="0">
-            <a:spAutoFit/>
-          </a:bodyPr>
-          <a:lstStyle/>
-          <a:p>
-            <a:r>
-              <a:rPr lang="en-US" dirty="0"/>
-              <a:t>Log Regression</a:t>
-            </a:r>
-          </a:p>
-        </p:txBody>
-      </p:sp>
-      <p:sp>
-        <p:nvSpPr>
-          <p:cNvPr id="7" name="TextBox 6">
-            <a:extLst>
-              <a:ext uri="{FF2B5EF4-FFF2-40B4-BE49-F238E27FC236}">
-                <a16:creationId xmlns:a16="http://schemas.microsoft.com/office/drawing/2014/main" id="{8F516324-27FD-1B4D-BCDD-62956FDDDB3E}"/>
-              </a:ext>
-            </a:extLst>
-          </p:cNvPr>
-          <p:cNvSpPr txBox="1"/>
-          <p:nvPr/>
-        </p:nvSpPr>
-        <p:spPr>
-          <a:xfrm>
-            <a:off x="1887794" y="752168"/>
-            <a:ext cx="811161" cy="369332"/>
-          </a:xfrm>
-          <a:prstGeom prst="rect">
-            <a:avLst/>
-          </a:prstGeom>
-          <a:noFill/>
-        </p:spPr>
-        <p:txBody>
-          <a:bodyPr wrap="square" rtlCol="0">
-            <a:spAutoFit/>
-          </a:bodyPr>
-          <a:lstStyle/>
-          <a:p>
-            <a:r>
-              <a:rPr lang="en-US" dirty="0"/>
-              <a:t>SVM</a:t>
-            </a:r>
-          </a:p>
-        </p:txBody>
-      </p:sp>
       <p:pic>
         <p:nvPicPr>
-          <p:cNvPr id="8" name="Picture 7">
-            <a:extLst>
-              <a:ext uri="{FF2B5EF4-FFF2-40B4-BE49-F238E27FC236}">
-                <a16:creationId xmlns:a16="http://schemas.microsoft.com/office/drawing/2014/main" id="{372A4446-A89B-B244-A2F8-AC73D5F28A37}"/>
+          <p:cNvPr id="9" name="Picture 8">
+            <a:extLst>
+              <a:ext uri="{FF2B5EF4-FFF2-40B4-BE49-F238E27FC236}">
+                <a16:creationId xmlns:a16="http://schemas.microsoft.com/office/drawing/2014/main" id="{DDF2A710-9A16-4746-908D-F94414A62F38}"/>
               </a:ext>
             </a:extLst>
           </p:cNvPr>
@@ -3860,8 +3860,8 @@
         </p:blipFill>
         <p:spPr>
           <a:xfrm>
-            <a:off x="263217" y="1210765"/>
-            <a:ext cx="5016500" cy="3670300"/>
+            <a:off x="6165210" y="1334151"/>
+            <a:ext cx="5863292" cy="4386165"/>
           </a:xfrm>
           <a:prstGeom prst="rect">
             <a:avLst/>
@@ -3990,8 +3990,8 @@
         </p:blipFill>
         <p:spPr>
           <a:xfrm>
-            <a:off x="0" y="1752600"/>
-            <a:ext cx="4927600" cy="3352800"/>
+            <a:off x="0" y="1564102"/>
+            <a:ext cx="5481669" cy="3729795"/>
           </a:xfrm>
           <a:prstGeom prst="rect">
             <a:avLst/>
@@ -4000,10 +4000,10 @@
       </p:pic>
       <p:pic>
         <p:nvPicPr>
-          <p:cNvPr id="13" name="Picture 12">
-            <a:extLst>
-              <a:ext uri="{FF2B5EF4-FFF2-40B4-BE49-F238E27FC236}">
-                <a16:creationId xmlns:a16="http://schemas.microsoft.com/office/drawing/2014/main" id="{CB33CB57-AD22-0144-8267-BB000468F9C9}"/>
+          <p:cNvPr id="3" name="Picture 2">
+            <a:extLst>
+              <a:ext uri="{FF2B5EF4-FFF2-40B4-BE49-F238E27FC236}">
+                <a16:creationId xmlns:a16="http://schemas.microsoft.com/office/drawing/2014/main" id="{6D869BDB-3FBD-9149-86F2-96581936C598}"/>
               </a:ext>
             </a:extLst>
           </p:cNvPr>
@@ -4020,8 +4020,8 @@
         </p:blipFill>
         <p:spPr>
           <a:xfrm>
-            <a:off x="6688992" y="1752600"/>
-            <a:ext cx="5003800" cy="3352800"/>
+            <a:off x="5501629" y="1372222"/>
+            <a:ext cx="6690371" cy="4482888"/>
           </a:xfrm>
           <a:prstGeom prst="rect">
             <a:avLst/>
@@ -4150,8 +4150,8 @@
         </p:blipFill>
         <p:spPr>
           <a:xfrm>
-            <a:off x="0" y="1752600"/>
-            <a:ext cx="5003800" cy="3352800"/>
+            <a:off x="0" y="1556888"/>
+            <a:ext cx="5515397" cy="3695596"/>
           </a:xfrm>
           <a:prstGeom prst="rect">
             <a:avLst/>
@@ -4160,10 +4160,10 @@
       </p:pic>
       <p:pic>
         <p:nvPicPr>
-          <p:cNvPr id="7" name="Picture 6">
-            <a:extLst>
-              <a:ext uri="{FF2B5EF4-FFF2-40B4-BE49-F238E27FC236}">
-                <a16:creationId xmlns:a16="http://schemas.microsoft.com/office/drawing/2014/main" id="{BEFBA417-9AD0-CE4A-BFA6-36B0A6DBD2B9}"/>
+          <p:cNvPr id="6" name="Picture 5">
+            <a:extLst>
+              <a:ext uri="{FF2B5EF4-FFF2-40B4-BE49-F238E27FC236}">
+                <a16:creationId xmlns:a16="http://schemas.microsoft.com/office/drawing/2014/main" id="{BB0D3EFE-9658-004F-99DA-D201CB0BF52C}"/>
               </a:ext>
             </a:extLst>
           </p:cNvPr>
@@ -4180,8 +4180,8 @@
         </p:blipFill>
         <p:spPr>
           <a:xfrm>
-            <a:off x="6390054" y="1752600"/>
-            <a:ext cx="5003800" cy="3352800"/>
+            <a:off x="5501629" y="1372222"/>
+            <a:ext cx="6690371" cy="4482888"/>
           </a:xfrm>
           <a:prstGeom prst="rect">
             <a:avLst/>
@@ -4310,8 +4310,8 @@
         </p:blipFill>
         <p:spPr>
           <a:xfrm>
-            <a:off x="0" y="1752600"/>
-            <a:ext cx="5003800" cy="3352800"/>
+            <a:off x="-233039" y="1692406"/>
+            <a:ext cx="5984988" cy="4010246"/>
           </a:xfrm>
           <a:prstGeom prst="rect">
             <a:avLst/>
@@ -4320,10 +4320,10 @@
       </p:pic>
       <p:pic>
         <p:nvPicPr>
-          <p:cNvPr id="7" name="Picture 6">
-            <a:extLst>
-              <a:ext uri="{FF2B5EF4-FFF2-40B4-BE49-F238E27FC236}">
-                <a16:creationId xmlns:a16="http://schemas.microsoft.com/office/drawing/2014/main" id="{37B76A22-A341-FA43-95C9-828466D94EF7}"/>
+          <p:cNvPr id="6" name="Picture 5">
+            <a:extLst>
+              <a:ext uri="{FF2B5EF4-FFF2-40B4-BE49-F238E27FC236}">
+                <a16:creationId xmlns:a16="http://schemas.microsoft.com/office/drawing/2014/main" id="{33387F91-5776-2747-BA40-4A7975C1C13A}"/>
               </a:ext>
             </a:extLst>
           </p:cNvPr>
@@ -4340,8 +4340,8 @@
         </p:blipFill>
         <p:spPr>
           <a:xfrm>
-            <a:off x="6390054" y="1752600"/>
-            <a:ext cx="5003800" cy="3352800"/>
+            <a:off x="5751949" y="1539949"/>
+            <a:ext cx="6440051" cy="4315161"/>
           </a:xfrm>
           <a:prstGeom prst="rect">
             <a:avLst/>

--- a/analysis/output/results/logReg03192020.pptx
+++ b/analysis/output/results/logReg03192020.pptx
@@ -12,6 +12,9 @@
     <p:sldId id="260" r:id="rId6"/>
     <p:sldId id="261" r:id="rId7"/>
     <p:sldId id="262" r:id="rId8"/>
+    <p:sldId id="263" r:id="rId9"/>
+    <p:sldId id="264" r:id="rId10"/>
+    <p:sldId id="265" r:id="rId11"/>
   </p:sldIdLst>
   <p:sldSz cx="12192000" cy="6858000"/>
   <p:notesSz cx="6858000" cy="9144000"/>
@@ -265,7 +268,7 @@
           <a:p>
             <a:fld id="{3E8E3951-0666-BE4E-BBC6-0A31567BE0B7}" type="datetimeFigureOut">
               <a:rPr lang="en-US" smtClean="0"/>
-              <a:t>3/20/20</a:t>
+              <a:t>3/23/20</a:t>
             </a:fld>
             <a:endParaRPr lang="en-US"/>
           </a:p>
@@ -463,7 +466,7 @@
           <a:p>
             <a:fld id="{3E8E3951-0666-BE4E-BBC6-0A31567BE0B7}" type="datetimeFigureOut">
               <a:rPr lang="en-US" smtClean="0"/>
-              <a:t>3/20/20</a:t>
+              <a:t>3/23/20</a:t>
             </a:fld>
             <a:endParaRPr lang="en-US"/>
           </a:p>
@@ -671,7 +674,7 @@
           <a:p>
             <a:fld id="{3E8E3951-0666-BE4E-BBC6-0A31567BE0B7}" type="datetimeFigureOut">
               <a:rPr lang="en-US" smtClean="0"/>
-              <a:t>3/20/20</a:t>
+              <a:t>3/23/20</a:t>
             </a:fld>
             <a:endParaRPr lang="en-US"/>
           </a:p>
@@ -869,7 +872,7 @@
           <a:p>
             <a:fld id="{3E8E3951-0666-BE4E-BBC6-0A31567BE0B7}" type="datetimeFigureOut">
               <a:rPr lang="en-US" smtClean="0"/>
-              <a:t>3/20/20</a:t>
+              <a:t>3/23/20</a:t>
             </a:fld>
             <a:endParaRPr lang="en-US"/>
           </a:p>
@@ -1144,7 +1147,7 @@
           <a:p>
             <a:fld id="{3E8E3951-0666-BE4E-BBC6-0A31567BE0B7}" type="datetimeFigureOut">
               <a:rPr lang="en-US" smtClean="0"/>
-              <a:t>3/20/20</a:t>
+              <a:t>3/23/20</a:t>
             </a:fld>
             <a:endParaRPr lang="en-US"/>
           </a:p>
@@ -1409,7 +1412,7 @@
           <a:p>
             <a:fld id="{3E8E3951-0666-BE4E-BBC6-0A31567BE0B7}" type="datetimeFigureOut">
               <a:rPr lang="en-US" smtClean="0"/>
-              <a:t>3/20/20</a:t>
+              <a:t>3/23/20</a:t>
             </a:fld>
             <a:endParaRPr lang="en-US"/>
           </a:p>
@@ -1821,7 +1824,7 @@
           <a:p>
             <a:fld id="{3E8E3951-0666-BE4E-BBC6-0A31567BE0B7}" type="datetimeFigureOut">
               <a:rPr lang="en-US" smtClean="0"/>
-              <a:t>3/20/20</a:t>
+              <a:t>3/23/20</a:t>
             </a:fld>
             <a:endParaRPr lang="en-US"/>
           </a:p>
@@ -1962,7 +1965,7 @@
           <a:p>
             <a:fld id="{3E8E3951-0666-BE4E-BBC6-0A31567BE0B7}" type="datetimeFigureOut">
               <a:rPr lang="en-US" smtClean="0"/>
-              <a:t>3/20/20</a:t>
+              <a:t>3/23/20</a:t>
             </a:fld>
             <a:endParaRPr lang="en-US"/>
           </a:p>
@@ -2075,7 +2078,7 @@
           <a:p>
             <a:fld id="{3E8E3951-0666-BE4E-BBC6-0A31567BE0B7}" type="datetimeFigureOut">
               <a:rPr lang="en-US" smtClean="0"/>
-              <a:t>3/20/20</a:t>
+              <a:t>3/23/20</a:t>
             </a:fld>
             <a:endParaRPr lang="en-US"/>
           </a:p>
@@ -2386,7 +2389,7 @@
           <a:p>
             <a:fld id="{3E8E3951-0666-BE4E-BBC6-0A31567BE0B7}" type="datetimeFigureOut">
               <a:rPr lang="en-US" smtClean="0"/>
-              <a:t>3/20/20</a:t>
+              <a:t>3/23/20</a:t>
             </a:fld>
             <a:endParaRPr lang="en-US"/>
           </a:p>
@@ -2674,7 +2677,7 @@
           <a:p>
             <a:fld id="{3E8E3951-0666-BE4E-BBC6-0A31567BE0B7}" type="datetimeFigureOut">
               <a:rPr lang="en-US" smtClean="0"/>
-              <a:t>3/20/20</a:t>
+              <a:t>3/23/20</a:t>
             </a:fld>
             <a:endParaRPr lang="en-US"/>
           </a:p>
@@ -2915,7 +2918,7 @@
           <a:p>
             <a:fld id="{3E8E3951-0666-BE4E-BBC6-0A31567BE0B7}" type="datetimeFigureOut">
               <a:rPr lang="en-US" smtClean="0"/>
-              <a:t>3/20/20</a:t>
+              <a:t>3/23/20</a:t>
             </a:fld>
             <a:endParaRPr lang="en-US"/>
           </a:p>
@@ -3401,6 +3404,166 @@
 </p:sld>
 </file>
 
+<file path=ppt/slides/slide10.xml><?xml version="1.0" encoding="utf-8"?>
+<p:sld xmlns:a="http://schemas.openxmlformats.org/drawingml/2006/main" xmlns:r="http://schemas.openxmlformats.org/officeDocument/2006/relationships" xmlns:p="http://schemas.openxmlformats.org/presentationml/2006/main">
+  <p:cSld>
+    <p:spTree>
+      <p:nvGrpSpPr>
+        <p:cNvPr id="1" name=""/>
+        <p:cNvGrpSpPr/>
+        <p:nvPr/>
+      </p:nvGrpSpPr>
+      <p:grpSpPr>
+        <a:xfrm>
+          <a:off x="0" y="0"/>
+          <a:ext cx="0" cy="0"/>
+          <a:chOff x="0" y="0"/>
+          <a:chExt cx="0" cy="0"/>
+        </a:xfrm>
+      </p:grpSpPr>
+      <p:pic>
+        <p:nvPicPr>
+          <p:cNvPr id="4" name="Picture 3">
+            <a:extLst>
+              <a:ext uri="{FF2B5EF4-FFF2-40B4-BE49-F238E27FC236}">
+                <a16:creationId xmlns:a16="http://schemas.microsoft.com/office/drawing/2014/main" id="{F1CF8E22-3111-8B44-BAA8-67AB69DDB96E}"/>
+              </a:ext>
+            </a:extLst>
+          </p:cNvPr>
+          <p:cNvPicPr>
+            <a:picLocks noChangeAspect="1"/>
+          </p:cNvPicPr>
+          <p:nvPr/>
+        </p:nvPicPr>
+        <p:blipFill>
+          <a:blip r:embed="rId2"/>
+          <a:stretch>
+            <a:fillRect/>
+          </a:stretch>
+        </p:blipFill>
+        <p:spPr>
+          <a:xfrm>
+            <a:off x="6792657" y="2182409"/>
+            <a:ext cx="4940300" cy="3530600"/>
+          </a:xfrm>
+          <a:prstGeom prst="rect">
+            <a:avLst/>
+          </a:prstGeom>
+        </p:spPr>
+      </p:pic>
+      <p:sp>
+        <p:nvSpPr>
+          <p:cNvPr id="5" name="TextBox 4">
+            <a:extLst>
+              <a:ext uri="{FF2B5EF4-FFF2-40B4-BE49-F238E27FC236}">
+                <a16:creationId xmlns:a16="http://schemas.microsoft.com/office/drawing/2014/main" id="{3FBCB571-33C2-7A42-A8D9-6333819DBBB3}"/>
+              </a:ext>
+            </a:extLst>
+          </p:cNvPr>
+          <p:cNvSpPr txBox="1"/>
+          <p:nvPr/>
+        </p:nvSpPr>
+        <p:spPr>
+          <a:xfrm>
+            <a:off x="8940800" y="1483360"/>
+            <a:ext cx="1889760" cy="369332"/>
+          </a:xfrm>
+          <a:prstGeom prst="rect">
+            <a:avLst/>
+          </a:prstGeom>
+          <a:noFill/>
+        </p:spPr>
+        <p:txBody>
+          <a:bodyPr wrap="square" rtlCol="0">
+            <a:spAutoFit/>
+          </a:bodyPr>
+          <a:lstStyle/>
+          <a:p>
+            <a:r>
+              <a:rPr lang="en-US" dirty="0"/>
+              <a:t>Log Regression</a:t>
+            </a:r>
+          </a:p>
+        </p:txBody>
+      </p:sp>
+      <p:pic>
+        <p:nvPicPr>
+          <p:cNvPr id="7" name="Picture 6">
+            <a:extLst>
+              <a:ext uri="{FF2B5EF4-FFF2-40B4-BE49-F238E27FC236}">
+                <a16:creationId xmlns:a16="http://schemas.microsoft.com/office/drawing/2014/main" id="{21462740-7417-1945-AA1F-0C844247E89F}"/>
+              </a:ext>
+            </a:extLst>
+          </p:cNvPr>
+          <p:cNvPicPr>
+            <a:picLocks noChangeAspect="1"/>
+          </p:cNvPicPr>
+          <p:nvPr/>
+        </p:nvPicPr>
+        <p:blipFill>
+          <a:blip r:embed="rId3"/>
+          <a:stretch>
+            <a:fillRect/>
+          </a:stretch>
+        </p:blipFill>
+        <p:spPr>
+          <a:xfrm>
+            <a:off x="720090" y="2182409"/>
+            <a:ext cx="4940300" cy="3530600"/>
+          </a:xfrm>
+          <a:prstGeom prst="rect">
+            <a:avLst/>
+          </a:prstGeom>
+        </p:spPr>
+      </p:pic>
+      <p:sp>
+        <p:nvSpPr>
+          <p:cNvPr id="8" name="TextBox 7">
+            <a:extLst>
+              <a:ext uri="{FF2B5EF4-FFF2-40B4-BE49-F238E27FC236}">
+                <a16:creationId xmlns:a16="http://schemas.microsoft.com/office/drawing/2014/main" id="{9CD12720-F708-824A-B38C-4D87D5ABC284}"/>
+              </a:ext>
+            </a:extLst>
+          </p:cNvPr>
+          <p:cNvSpPr txBox="1"/>
+          <p:nvPr/>
+        </p:nvSpPr>
+        <p:spPr>
+          <a:xfrm>
+            <a:off x="3068320" y="1708528"/>
+            <a:ext cx="1097280" cy="369332"/>
+          </a:xfrm>
+          <a:prstGeom prst="rect">
+            <a:avLst/>
+          </a:prstGeom>
+          <a:noFill/>
+        </p:spPr>
+        <p:txBody>
+          <a:bodyPr wrap="square" rtlCol="0">
+            <a:spAutoFit/>
+          </a:bodyPr>
+          <a:lstStyle/>
+          <a:p>
+            <a:r>
+              <a:rPr lang="en-US" dirty="0"/>
+              <a:t>SVM</a:t>
+            </a:r>
+          </a:p>
+        </p:txBody>
+      </p:sp>
+    </p:spTree>
+    <p:extLst>
+      <p:ext uri="{BB962C8B-B14F-4D97-AF65-F5344CB8AC3E}">
+        <p14:creationId xmlns:p14="http://schemas.microsoft.com/office/powerpoint/2010/main" val="433726650"/>
+      </p:ext>
+    </p:extLst>
+  </p:cSld>
+  <p:clrMapOvr>
+    <a:masterClrMapping/>
+  </p:clrMapOvr>
+</p:sld>
+</file>
+
 <file path=ppt/slides/slide2.xml><?xml version="1.0" encoding="utf-8"?>
 <p:sld xmlns:a="http://schemas.openxmlformats.org/drawingml/2006/main" xmlns:r="http://schemas.openxmlformats.org/officeDocument/2006/relationships" xmlns:p="http://schemas.openxmlformats.org/presentationml/2006/main">
   <p:cSld>
@@ -3467,7 +3630,7 @@
         </p:nvSpPr>
         <p:spPr>
           <a:xfrm>
-            <a:off x="1887794" y="752168"/>
+            <a:off x="2860638" y="648306"/>
             <a:ext cx="811161" cy="369332"/>
           </a:xfrm>
           <a:prstGeom prst="rect">
@@ -3627,7 +3790,7 @@
         </p:nvSpPr>
         <p:spPr>
           <a:xfrm>
-            <a:off x="1887794" y="752168"/>
+            <a:off x="2619168" y="778462"/>
             <a:ext cx="811161" cy="369332"/>
           </a:xfrm>
           <a:prstGeom prst="rect">
@@ -3787,7 +3950,7 @@
         </p:nvSpPr>
         <p:spPr>
           <a:xfrm>
-            <a:off x="1887794" y="752168"/>
+            <a:off x="2677842" y="766680"/>
             <a:ext cx="811161" cy="369332"/>
           </a:xfrm>
           <a:prstGeom prst="rect">
@@ -3912,7 +4075,7 @@
         </p:nvSpPr>
         <p:spPr>
           <a:xfrm>
-            <a:off x="8672052" y="1002890"/>
+            <a:off x="8001492" y="1002890"/>
             <a:ext cx="2595716" cy="369332"/>
           </a:xfrm>
           <a:prstGeom prst="rect">
@@ -3947,7 +4110,7 @@
         </p:nvSpPr>
         <p:spPr>
           <a:xfrm>
-            <a:off x="1622323" y="1002890"/>
+            <a:off x="2371278" y="1002890"/>
             <a:ext cx="1253613" cy="369332"/>
           </a:xfrm>
           <a:prstGeom prst="rect">
@@ -4107,7 +4270,7 @@
         </p:nvSpPr>
         <p:spPr>
           <a:xfrm>
-            <a:off x="1622323" y="1002890"/>
+            <a:off x="2455443" y="1030420"/>
             <a:ext cx="1253613" cy="369332"/>
           </a:xfrm>
           <a:prstGeom prst="rect">
@@ -4267,7 +4430,7 @@
         </p:nvSpPr>
         <p:spPr>
           <a:xfrm>
-            <a:off x="1622323" y="1002890"/>
+            <a:off x="2577363" y="1276046"/>
             <a:ext cx="1253613" cy="369332"/>
           </a:xfrm>
           <a:prstGeom prst="rect">
@@ -4310,8 +4473,8 @@
         </p:blipFill>
         <p:spPr>
           <a:xfrm>
-            <a:off x="-233039" y="1692406"/>
-            <a:ext cx="5984988" cy="4010246"/>
+            <a:off x="80573" y="1902542"/>
+            <a:ext cx="5671376" cy="3800110"/>
           </a:xfrm>
           <a:prstGeom prst="rect">
             <a:avLst/>
@@ -4352,6 +4515,354 @@
     <p:extLst>
       <p:ext uri="{BB962C8B-B14F-4D97-AF65-F5344CB8AC3E}">
         <p14:creationId xmlns:p14="http://schemas.microsoft.com/office/powerpoint/2010/main" val="4280739720"/>
+      </p:ext>
+    </p:extLst>
+  </p:cSld>
+  <p:clrMapOvr>
+    <a:masterClrMapping/>
+  </p:clrMapOvr>
+</p:sld>
+</file>
+
+<file path=ppt/slides/slide8.xml><?xml version="1.0" encoding="utf-8"?>
+<p:sld xmlns:a="http://schemas.openxmlformats.org/drawingml/2006/main" xmlns:r="http://schemas.openxmlformats.org/officeDocument/2006/relationships" xmlns:p="http://schemas.openxmlformats.org/presentationml/2006/main">
+  <p:cSld>
+    <p:spTree>
+      <p:nvGrpSpPr>
+        <p:cNvPr id="1" name=""/>
+        <p:cNvGrpSpPr/>
+        <p:nvPr/>
+      </p:nvGrpSpPr>
+      <p:grpSpPr>
+        <a:xfrm>
+          <a:off x="0" y="0"/>
+          <a:ext cx="0" cy="0"/>
+          <a:chOff x="0" y="0"/>
+          <a:chExt cx="0" cy="0"/>
+        </a:xfrm>
+      </p:grpSpPr>
+      <p:sp>
+        <p:nvSpPr>
+          <p:cNvPr id="2" name="Title 1">
+            <a:extLst>
+              <a:ext uri="{FF2B5EF4-FFF2-40B4-BE49-F238E27FC236}">
+                <a16:creationId xmlns:a16="http://schemas.microsoft.com/office/drawing/2014/main" id="{6C2A857F-34DD-0D4A-9654-E9B7F4889021}"/>
+              </a:ext>
+            </a:extLst>
+          </p:cNvPr>
+          <p:cNvSpPr>
+            <a:spLocks noGrp="1"/>
+          </p:cNvSpPr>
+          <p:nvPr>
+            <p:ph type="title"/>
+          </p:nvPr>
+        </p:nvSpPr>
+        <p:spPr/>
+        <p:txBody>
+          <a:bodyPr/>
+          <a:lstStyle/>
+          <a:p>
+            <a:r>
+              <a:rPr lang="en-US" dirty="0"/>
+              <a:t>Boxplots Accuracy per training between subjects</a:t>
+            </a:r>
+          </a:p>
+        </p:txBody>
+      </p:sp>
+      <p:pic>
+        <p:nvPicPr>
+          <p:cNvPr id="9" name="Picture 8">
+            <a:extLst>
+              <a:ext uri="{FF2B5EF4-FFF2-40B4-BE49-F238E27FC236}">
+                <a16:creationId xmlns:a16="http://schemas.microsoft.com/office/drawing/2014/main" id="{DDF18092-B3AF-BA4A-A0F8-271CF93CE468}"/>
+              </a:ext>
+            </a:extLst>
+          </p:cNvPr>
+          <p:cNvPicPr>
+            <a:picLocks noChangeAspect="1"/>
+          </p:cNvPicPr>
+          <p:nvPr/>
+        </p:nvPicPr>
+        <p:blipFill>
+          <a:blip r:embed="rId2"/>
+          <a:stretch>
+            <a:fillRect/>
+          </a:stretch>
+        </p:blipFill>
+        <p:spPr>
+          <a:xfrm>
+            <a:off x="6868160" y="2077860"/>
+            <a:ext cx="4940300" cy="3530600"/>
+          </a:xfrm>
+          <a:prstGeom prst="rect">
+            <a:avLst/>
+          </a:prstGeom>
+        </p:spPr>
+      </p:pic>
+      <p:sp>
+        <p:nvSpPr>
+          <p:cNvPr id="10" name="TextBox 9">
+            <a:extLst>
+              <a:ext uri="{FF2B5EF4-FFF2-40B4-BE49-F238E27FC236}">
+                <a16:creationId xmlns:a16="http://schemas.microsoft.com/office/drawing/2014/main" id="{92639A9A-87AF-6F44-B34C-105D97D86A43}"/>
+              </a:ext>
+            </a:extLst>
+          </p:cNvPr>
+          <p:cNvSpPr txBox="1"/>
+          <p:nvPr/>
+        </p:nvSpPr>
+        <p:spPr>
+          <a:xfrm>
+            <a:off x="8940800" y="1483360"/>
+            <a:ext cx="1889760" cy="369332"/>
+          </a:xfrm>
+          <a:prstGeom prst="rect">
+            <a:avLst/>
+          </a:prstGeom>
+          <a:noFill/>
+        </p:spPr>
+        <p:txBody>
+          <a:bodyPr wrap="square" rtlCol="0">
+            <a:spAutoFit/>
+          </a:bodyPr>
+          <a:lstStyle/>
+          <a:p>
+            <a:r>
+              <a:rPr lang="en-US" dirty="0"/>
+              <a:t>Log Regression</a:t>
+            </a:r>
+          </a:p>
+        </p:txBody>
+      </p:sp>
+      <p:pic>
+        <p:nvPicPr>
+          <p:cNvPr id="12" name="Picture 11">
+            <a:extLst>
+              <a:ext uri="{FF2B5EF4-FFF2-40B4-BE49-F238E27FC236}">
+                <a16:creationId xmlns:a16="http://schemas.microsoft.com/office/drawing/2014/main" id="{B3BB5ABF-8C8D-F24C-8900-94579349ED27}"/>
+              </a:ext>
+            </a:extLst>
+          </p:cNvPr>
+          <p:cNvPicPr>
+            <a:picLocks noChangeAspect="1"/>
+          </p:cNvPicPr>
+          <p:nvPr/>
+        </p:nvPicPr>
+        <p:blipFill>
+          <a:blip r:embed="rId3"/>
+          <a:stretch>
+            <a:fillRect/>
+          </a:stretch>
+        </p:blipFill>
+        <p:spPr>
+          <a:xfrm>
+            <a:off x="560070" y="2077860"/>
+            <a:ext cx="5016500" cy="3530600"/>
+          </a:xfrm>
+          <a:prstGeom prst="rect">
+            <a:avLst/>
+          </a:prstGeom>
+        </p:spPr>
+      </p:pic>
+      <p:sp>
+        <p:nvSpPr>
+          <p:cNvPr id="13" name="TextBox 12">
+            <a:extLst>
+              <a:ext uri="{FF2B5EF4-FFF2-40B4-BE49-F238E27FC236}">
+                <a16:creationId xmlns:a16="http://schemas.microsoft.com/office/drawing/2014/main" id="{5ED9AD29-B347-F640-B2E3-D132E4749A1A}"/>
+              </a:ext>
+            </a:extLst>
+          </p:cNvPr>
+          <p:cNvSpPr txBox="1"/>
+          <p:nvPr/>
+        </p:nvSpPr>
+        <p:spPr>
+          <a:xfrm>
+            <a:off x="3068320" y="1708528"/>
+            <a:ext cx="1097280" cy="369332"/>
+          </a:xfrm>
+          <a:prstGeom prst="rect">
+            <a:avLst/>
+          </a:prstGeom>
+          <a:noFill/>
+        </p:spPr>
+        <p:txBody>
+          <a:bodyPr wrap="square" rtlCol="0">
+            <a:spAutoFit/>
+          </a:bodyPr>
+          <a:lstStyle/>
+          <a:p>
+            <a:r>
+              <a:rPr lang="en-US" dirty="0"/>
+              <a:t>SVM</a:t>
+            </a:r>
+          </a:p>
+        </p:txBody>
+      </p:sp>
+    </p:spTree>
+    <p:extLst>
+      <p:ext uri="{BB962C8B-B14F-4D97-AF65-F5344CB8AC3E}">
+        <p14:creationId xmlns:p14="http://schemas.microsoft.com/office/powerpoint/2010/main" val="607610498"/>
+      </p:ext>
+    </p:extLst>
+  </p:cSld>
+  <p:clrMapOvr>
+    <a:masterClrMapping/>
+  </p:clrMapOvr>
+</p:sld>
+</file>
+
+<file path=ppt/slides/slide9.xml><?xml version="1.0" encoding="utf-8"?>
+<p:sld xmlns:a="http://schemas.openxmlformats.org/drawingml/2006/main" xmlns:r="http://schemas.openxmlformats.org/officeDocument/2006/relationships" xmlns:p="http://schemas.openxmlformats.org/presentationml/2006/main">
+  <p:cSld>
+    <p:spTree>
+      <p:nvGrpSpPr>
+        <p:cNvPr id="1" name=""/>
+        <p:cNvGrpSpPr/>
+        <p:nvPr/>
+      </p:nvGrpSpPr>
+      <p:grpSpPr>
+        <a:xfrm>
+          <a:off x="0" y="0"/>
+          <a:ext cx="0" cy="0"/>
+          <a:chOff x="0" y="0"/>
+          <a:chExt cx="0" cy="0"/>
+        </a:xfrm>
+      </p:grpSpPr>
+      <p:pic>
+        <p:nvPicPr>
+          <p:cNvPr id="4" name="Picture 3">
+            <a:extLst>
+              <a:ext uri="{FF2B5EF4-FFF2-40B4-BE49-F238E27FC236}">
+                <a16:creationId xmlns:a16="http://schemas.microsoft.com/office/drawing/2014/main" id="{02030EA8-FBEB-714F-B9C8-98632C65163C}"/>
+              </a:ext>
+            </a:extLst>
+          </p:cNvPr>
+          <p:cNvPicPr>
+            <a:picLocks noChangeAspect="1"/>
+          </p:cNvPicPr>
+          <p:nvPr/>
+        </p:nvPicPr>
+        <p:blipFill>
+          <a:blip r:embed="rId2"/>
+          <a:stretch>
+            <a:fillRect/>
+          </a:stretch>
+        </p:blipFill>
+        <p:spPr>
+          <a:xfrm>
+            <a:off x="6413500" y="2235994"/>
+            <a:ext cx="4940300" cy="3530600"/>
+          </a:xfrm>
+          <a:prstGeom prst="rect">
+            <a:avLst/>
+          </a:prstGeom>
+        </p:spPr>
+      </p:pic>
+      <p:sp>
+        <p:nvSpPr>
+          <p:cNvPr id="5" name="TextBox 4">
+            <a:extLst>
+              <a:ext uri="{FF2B5EF4-FFF2-40B4-BE49-F238E27FC236}">
+                <a16:creationId xmlns:a16="http://schemas.microsoft.com/office/drawing/2014/main" id="{4C50FCA2-D4F0-5849-A729-A5B8BB1546AA}"/>
+              </a:ext>
+            </a:extLst>
+          </p:cNvPr>
+          <p:cNvSpPr txBox="1"/>
+          <p:nvPr/>
+        </p:nvSpPr>
+        <p:spPr>
+          <a:xfrm>
+            <a:off x="8412480" y="1778675"/>
+            <a:ext cx="1889760" cy="369332"/>
+          </a:xfrm>
+          <a:prstGeom prst="rect">
+            <a:avLst/>
+          </a:prstGeom>
+          <a:noFill/>
+        </p:spPr>
+        <p:txBody>
+          <a:bodyPr wrap="square" rtlCol="0">
+            <a:spAutoFit/>
+          </a:bodyPr>
+          <a:lstStyle/>
+          <a:p>
+            <a:r>
+              <a:rPr lang="en-US" dirty="0"/>
+              <a:t>Log Regression</a:t>
+            </a:r>
+          </a:p>
+        </p:txBody>
+      </p:sp>
+      <p:pic>
+        <p:nvPicPr>
+          <p:cNvPr id="7" name="Picture 6">
+            <a:extLst>
+              <a:ext uri="{FF2B5EF4-FFF2-40B4-BE49-F238E27FC236}">
+                <a16:creationId xmlns:a16="http://schemas.microsoft.com/office/drawing/2014/main" id="{1CA5C0DE-5135-264A-A90B-5B2CFB27E1A2}"/>
+              </a:ext>
+            </a:extLst>
+          </p:cNvPr>
+          <p:cNvPicPr>
+            <a:picLocks noChangeAspect="1"/>
+          </p:cNvPicPr>
+          <p:nvPr/>
+        </p:nvPicPr>
+        <p:blipFill>
+          <a:blip r:embed="rId3"/>
+          <a:stretch>
+            <a:fillRect/>
+          </a:stretch>
+        </p:blipFill>
+        <p:spPr>
+          <a:xfrm>
+            <a:off x="295910" y="2235994"/>
+            <a:ext cx="5016500" cy="3530600"/>
+          </a:xfrm>
+          <a:prstGeom prst="rect">
+            <a:avLst/>
+          </a:prstGeom>
+        </p:spPr>
+      </p:pic>
+      <p:sp>
+        <p:nvSpPr>
+          <p:cNvPr id="8" name="TextBox 7">
+            <a:extLst>
+              <a:ext uri="{FF2B5EF4-FFF2-40B4-BE49-F238E27FC236}">
+                <a16:creationId xmlns:a16="http://schemas.microsoft.com/office/drawing/2014/main" id="{E257BCFD-4A48-0E45-AA80-6349EB58A2BF}"/>
+              </a:ext>
+            </a:extLst>
+          </p:cNvPr>
+          <p:cNvSpPr txBox="1"/>
+          <p:nvPr/>
+        </p:nvSpPr>
+        <p:spPr>
+          <a:xfrm>
+            <a:off x="2682241" y="1706444"/>
+            <a:ext cx="1097280" cy="369332"/>
+          </a:xfrm>
+          <a:prstGeom prst="rect">
+            <a:avLst/>
+          </a:prstGeom>
+          <a:noFill/>
+        </p:spPr>
+        <p:txBody>
+          <a:bodyPr wrap="square" rtlCol="0">
+            <a:spAutoFit/>
+          </a:bodyPr>
+          <a:lstStyle/>
+          <a:p>
+            <a:r>
+              <a:rPr lang="en-US" dirty="0"/>
+              <a:t>SVM</a:t>
+            </a:r>
+          </a:p>
+        </p:txBody>
+      </p:sp>
+    </p:spTree>
+    <p:extLst>
+      <p:ext uri="{BB962C8B-B14F-4D97-AF65-F5344CB8AC3E}">
+        <p14:creationId xmlns:p14="http://schemas.microsoft.com/office/powerpoint/2010/main" val="288467340"/>
       </p:ext>
     </p:extLst>
   </p:cSld>
